--- a/Arch and decision choices.pptx
+++ b/Arch and decision choices.pptx
@@ -8,7 +8,10 @@
     <p:sldId id="256" r:id="rId2"/>
     <p:sldId id="257" r:id="rId3"/>
     <p:sldId id="258" r:id="rId4"/>
-    <p:sldId id="259" r:id="rId5"/>
+    <p:sldId id="260" r:id="rId5"/>
+    <p:sldId id="261" r:id="rId6"/>
+    <p:sldId id="262" r:id="rId7"/>
+    <p:sldId id="259" r:id="rId8"/>
   </p:sldIdLst>
   <p:sldSz cx="12192000" cy="6858000"/>
   <p:notesSz cx="6858000" cy="9144000"/>
@@ -3584,7 +3587,9 @@
         </p:nvSpPr>
         <p:spPr/>
         <p:txBody>
-          <a:bodyPr/>
+          <a:bodyPr>
+            <a:normAutofit/>
+          </a:bodyPr>
           <a:lstStyle/>
           <a:p>
             <a:pPr marL="0" indent="0">
@@ -3610,7 +3615,9 @@
             </a:r>
           </a:p>
           <a:p>
-            <a:pPr lvl="1"/>
+            <a:pPr marL="457200" lvl="1" indent="0">
+              <a:buNone/>
+            </a:pPr>
             <a:endParaRPr lang="en-US" dirty="0"/>
           </a:p>
           <a:p>
@@ -3645,6 +3652,13 @@
             <a:r>
               <a:rPr lang="en-US" dirty="0"/>
               <a:t>Typography</a:t>
+            </a:r>
+          </a:p>
+          <a:p>
+            <a:pPr lvl="2"/>
+            <a:r>
+              <a:rPr lang="en-US" dirty="0"/>
+              <a:t>Icons</a:t>
             </a:r>
           </a:p>
           <a:p>
@@ -3673,6 +3687,484 @@
 </file>
 
 <file path=ppt/slides/slide4.xml><?xml version="1.0" encoding="utf-8"?>
+<p:sld xmlns:a="http://schemas.openxmlformats.org/drawingml/2006/main" xmlns:r="http://schemas.openxmlformats.org/officeDocument/2006/relationships" xmlns:p="http://schemas.openxmlformats.org/presentationml/2006/main">
+  <p:cSld>
+    <p:spTree>
+      <p:nvGrpSpPr>
+        <p:cNvPr id="1" name=""/>
+        <p:cNvGrpSpPr/>
+        <p:nvPr/>
+      </p:nvGrpSpPr>
+      <p:grpSpPr>
+        <a:xfrm>
+          <a:off x="0" y="0"/>
+          <a:ext cx="0" cy="0"/>
+          <a:chOff x="0" y="0"/>
+          <a:chExt cx="0" cy="0"/>
+        </a:xfrm>
+      </p:grpSpPr>
+      <p:sp>
+        <p:nvSpPr>
+          <p:cNvPr id="2" name="Title 1">
+            <a:extLst>
+              <a:ext uri="{FF2B5EF4-FFF2-40B4-BE49-F238E27FC236}">
+                <a16:creationId xmlns:a16="http://schemas.microsoft.com/office/drawing/2014/main" id="{899D4825-24B6-4542-B0CF-5FC66A9284CA}"/>
+              </a:ext>
+            </a:extLst>
+          </p:cNvPr>
+          <p:cNvSpPr>
+            <a:spLocks noGrp="1"/>
+          </p:cNvSpPr>
+          <p:nvPr>
+            <p:ph type="title"/>
+          </p:nvPr>
+        </p:nvSpPr>
+        <p:spPr/>
+        <p:txBody>
+          <a:bodyPr/>
+          <a:lstStyle/>
+          <a:p>
+            <a:r>
+              <a:rPr lang="en-US" dirty="0"/>
+              <a:t>Front End Design </a:t>
+            </a:r>
+            <a:r>
+              <a:rPr lang="en-US" dirty="0" err="1"/>
+              <a:t>Contd</a:t>
+            </a:r>
+            <a:endParaRPr lang="en-US" dirty="0"/>
+          </a:p>
+        </p:txBody>
+      </p:sp>
+      <p:sp>
+        <p:nvSpPr>
+          <p:cNvPr id="3" name="Content Placeholder 2">
+            <a:extLst>
+              <a:ext uri="{FF2B5EF4-FFF2-40B4-BE49-F238E27FC236}">
+                <a16:creationId xmlns:a16="http://schemas.microsoft.com/office/drawing/2014/main" id="{8C55A10B-45A7-E04E-9CA6-442E2AE6075A}"/>
+              </a:ext>
+            </a:extLst>
+          </p:cNvPr>
+          <p:cNvSpPr>
+            <a:spLocks noGrp="1"/>
+          </p:cNvSpPr>
+          <p:nvPr>
+            <p:ph idx="1"/>
+          </p:nvPr>
+        </p:nvSpPr>
+        <p:spPr/>
+        <p:txBody>
+          <a:bodyPr/>
+          <a:lstStyle/>
+          <a:p>
+            <a:r>
+              <a:rPr lang="en-US" dirty="0"/>
+              <a:t>Redux (best choice for Rest API’s)</a:t>
+            </a:r>
+          </a:p>
+          <a:p>
+            <a:pPr lvl="1"/>
+            <a:r>
+              <a:rPr lang="en-US" dirty="0"/>
+              <a:t>For state management</a:t>
+            </a:r>
+          </a:p>
+          <a:p>
+            <a:pPr lvl="1"/>
+            <a:r>
+              <a:rPr lang="en-US" dirty="0"/>
+              <a:t>Alternative : React-Query, Apollo client (if </a:t>
+            </a:r>
+            <a:r>
+              <a:rPr lang="en-US" dirty="0" err="1"/>
+              <a:t>grapgh</a:t>
+            </a:r>
+            <a:r>
+              <a:rPr lang="en-US" dirty="0"/>
+              <a:t> QL)</a:t>
+            </a:r>
+          </a:p>
+          <a:p>
+            <a:pPr lvl="1"/>
+            <a:r>
+              <a:rPr lang="en-US" dirty="0"/>
+              <a:t>Used along with Redux-</a:t>
+            </a:r>
+            <a:r>
+              <a:rPr lang="en-US" dirty="0" err="1"/>
+              <a:t>thnk</a:t>
+            </a:r>
+            <a:endParaRPr lang="en-US" dirty="0"/>
+          </a:p>
+          <a:p>
+            <a:pPr lvl="1"/>
+            <a:endParaRPr lang="en-US" dirty="0"/>
+          </a:p>
+          <a:p>
+            <a:r>
+              <a:rPr lang="en-US" dirty="0"/>
+              <a:t>React-script  (CRA)</a:t>
+            </a:r>
+          </a:p>
+          <a:p>
+            <a:pPr lvl="1"/>
+            <a:r>
+              <a:rPr lang="en-US" dirty="0"/>
+              <a:t>For spinning up the application</a:t>
+            </a:r>
+          </a:p>
+          <a:p>
+            <a:pPr lvl="1"/>
+            <a:endParaRPr lang="en-US" dirty="0"/>
+          </a:p>
+          <a:p>
+            <a:r>
+              <a:rPr lang="en-US" dirty="0" err="1"/>
+              <a:t>Axios</a:t>
+            </a:r>
+            <a:r>
+              <a:rPr lang="en-US" dirty="0"/>
+              <a:t> (best choice for Rest </a:t>
+            </a:r>
+            <a:r>
+              <a:rPr lang="en-US" dirty="0" err="1"/>
+              <a:t>Api’s</a:t>
+            </a:r>
+            <a:r>
+              <a:rPr lang="en-US" dirty="0"/>
+              <a:t>)</a:t>
+            </a:r>
+          </a:p>
+          <a:p>
+            <a:pPr lvl="1"/>
+            <a:r>
+              <a:rPr lang="en-US" dirty="0"/>
+              <a:t>1: 1 mapping for each of the model actions</a:t>
+            </a:r>
+          </a:p>
+        </p:txBody>
+      </p:sp>
+    </p:spTree>
+    <p:extLst>
+      <p:ext uri="{BB962C8B-B14F-4D97-AF65-F5344CB8AC3E}">
+        <p14:creationId xmlns:p14="http://schemas.microsoft.com/office/powerpoint/2010/main" val="3492686883"/>
+      </p:ext>
+    </p:extLst>
+  </p:cSld>
+  <p:clrMapOvr>
+    <a:masterClrMapping/>
+  </p:clrMapOvr>
+</p:sld>
+</file>
+
+<file path=ppt/slides/slide5.xml><?xml version="1.0" encoding="utf-8"?>
+<p:sld xmlns:a="http://schemas.openxmlformats.org/drawingml/2006/main" xmlns:r="http://schemas.openxmlformats.org/officeDocument/2006/relationships" xmlns:p="http://schemas.openxmlformats.org/presentationml/2006/main">
+  <p:cSld>
+    <p:spTree>
+      <p:nvGrpSpPr>
+        <p:cNvPr id="1" name=""/>
+        <p:cNvGrpSpPr/>
+        <p:nvPr/>
+      </p:nvGrpSpPr>
+      <p:grpSpPr>
+        <a:xfrm>
+          <a:off x="0" y="0"/>
+          <a:ext cx="0" cy="0"/>
+          <a:chOff x="0" y="0"/>
+          <a:chExt cx="0" cy="0"/>
+        </a:xfrm>
+      </p:grpSpPr>
+      <p:sp>
+        <p:nvSpPr>
+          <p:cNvPr id="2" name="Title 1">
+            <a:extLst>
+              <a:ext uri="{FF2B5EF4-FFF2-40B4-BE49-F238E27FC236}">
+                <a16:creationId xmlns:a16="http://schemas.microsoft.com/office/drawing/2014/main" id="{899D4825-24B6-4542-B0CF-5FC66A9284CA}"/>
+              </a:ext>
+            </a:extLst>
+          </p:cNvPr>
+          <p:cNvSpPr>
+            <a:spLocks noGrp="1"/>
+          </p:cNvSpPr>
+          <p:nvPr>
+            <p:ph type="title"/>
+          </p:nvPr>
+        </p:nvSpPr>
+        <p:spPr/>
+        <p:txBody>
+          <a:bodyPr/>
+          <a:lstStyle/>
+          <a:p>
+            <a:r>
+              <a:rPr lang="en-US" dirty="0"/>
+              <a:t>Front End Design </a:t>
+            </a:r>
+            <a:r>
+              <a:rPr lang="en-US" dirty="0" err="1"/>
+              <a:t>Contd</a:t>
+            </a:r>
+            <a:endParaRPr lang="en-US" dirty="0"/>
+          </a:p>
+        </p:txBody>
+      </p:sp>
+      <p:sp>
+        <p:nvSpPr>
+          <p:cNvPr id="3" name="Content Placeholder 2">
+            <a:extLst>
+              <a:ext uri="{FF2B5EF4-FFF2-40B4-BE49-F238E27FC236}">
+                <a16:creationId xmlns:a16="http://schemas.microsoft.com/office/drawing/2014/main" id="{8C55A10B-45A7-E04E-9CA6-442E2AE6075A}"/>
+              </a:ext>
+            </a:extLst>
+          </p:cNvPr>
+          <p:cNvSpPr>
+            <a:spLocks noGrp="1"/>
+          </p:cNvSpPr>
+          <p:nvPr>
+            <p:ph idx="1"/>
+          </p:nvPr>
+        </p:nvSpPr>
+        <p:spPr/>
+        <p:txBody>
+          <a:bodyPr/>
+          <a:lstStyle/>
+          <a:p>
+            <a:pPr lvl="1"/>
+            <a:r>
+              <a:rPr lang="en-US" b="1" dirty="0"/>
+              <a:t>Moment</a:t>
+            </a:r>
+          </a:p>
+          <a:p>
+            <a:pPr lvl="2"/>
+            <a:r>
+              <a:rPr lang="en-US" dirty="0"/>
+              <a:t>For date manipulation</a:t>
+            </a:r>
+          </a:p>
+          <a:p>
+            <a:pPr lvl="3"/>
+            <a:r>
+              <a:rPr lang="en-US" dirty="0"/>
+              <a:t>Alternative - date-</a:t>
+            </a:r>
+            <a:r>
+              <a:rPr lang="en-US" dirty="0" err="1"/>
+              <a:t>fns</a:t>
+            </a:r>
+            <a:endParaRPr lang="en-US" dirty="0"/>
+          </a:p>
+          <a:p>
+            <a:pPr lvl="1"/>
+            <a:r>
+              <a:rPr lang="en-US" b="1" dirty="0"/>
+              <a:t>React-google-login</a:t>
+            </a:r>
+          </a:p>
+          <a:p>
+            <a:pPr lvl="2"/>
+            <a:r>
+              <a:rPr lang="en-US" dirty="0"/>
+              <a:t>For google integration</a:t>
+            </a:r>
+          </a:p>
+          <a:p>
+            <a:pPr lvl="2"/>
+            <a:r>
+              <a:rPr lang="en-US" dirty="0"/>
+              <a:t>Simple button integration</a:t>
+            </a:r>
+          </a:p>
+          <a:p>
+            <a:pPr lvl="1"/>
+            <a:r>
+              <a:rPr lang="en-US" b="1" dirty="0"/>
+              <a:t>testing-library</a:t>
+            </a:r>
+          </a:p>
+          <a:p>
+            <a:pPr lvl="2"/>
+            <a:r>
+              <a:rPr lang="en-US" dirty="0"/>
+              <a:t>For test cases</a:t>
+            </a:r>
+          </a:p>
+          <a:p>
+            <a:pPr lvl="1"/>
+            <a:endParaRPr lang="en-US" dirty="0"/>
+          </a:p>
+          <a:p>
+            <a:pPr lvl="2"/>
+            <a:endParaRPr lang="en-US" dirty="0"/>
+          </a:p>
+          <a:p>
+            <a:pPr lvl="2"/>
+            <a:endParaRPr lang="en-US" dirty="0"/>
+          </a:p>
+        </p:txBody>
+      </p:sp>
+    </p:spTree>
+    <p:extLst>
+      <p:ext uri="{BB962C8B-B14F-4D97-AF65-F5344CB8AC3E}">
+        <p14:creationId xmlns:p14="http://schemas.microsoft.com/office/powerpoint/2010/main" val="2596022563"/>
+      </p:ext>
+    </p:extLst>
+  </p:cSld>
+  <p:clrMapOvr>
+    <a:masterClrMapping/>
+  </p:clrMapOvr>
+</p:sld>
+</file>
+
+<file path=ppt/slides/slide6.xml><?xml version="1.0" encoding="utf-8"?>
+<p:sld xmlns:a="http://schemas.openxmlformats.org/drawingml/2006/main" xmlns:r="http://schemas.openxmlformats.org/officeDocument/2006/relationships" xmlns:p="http://schemas.openxmlformats.org/presentationml/2006/main">
+  <p:cSld>
+    <p:spTree>
+      <p:nvGrpSpPr>
+        <p:cNvPr id="1" name=""/>
+        <p:cNvGrpSpPr/>
+        <p:nvPr/>
+      </p:nvGrpSpPr>
+      <p:grpSpPr>
+        <a:xfrm>
+          <a:off x="0" y="0"/>
+          <a:ext cx="0" cy="0"/>
+          <a:chOff x="0" y="0"/>
+          <a:chExt cx="0" cy="0"/>
+        </a:xfrm>
+      </p:grpSpPr>
+      <p:sp>
+        <p:nvSpPr>
+          <p:cNvPr id="2" name="Title 1">
+            <a:extLst>
+              <a:ext uri="{FF2B5EF4-FFF2-40B4-BE49-F238E27FC236}">
+                <a16:creationId xmlns:a16="http://schemas.microsoft.com/office/drawing/2014/main" id="{50B073D6-7189-FA43-9256-C51426F90C26}"/>
+              </a:ext>
+            </a:extLst>
+          </p:cNvPr>
+          <p:cNvSpPr>
+            <a:spLocks noGrp="1"/>
+          </p:cNvSpPr>
+          <p:nvPr>
+            <p:ph type="title"/>
+          </p:nvPr>
+        </p:nvSpPr>
+        <p:spPr/>
+        <p:txBody>
+          <a:bodyPr/>
+          <a:lstStyle/>
+          <a:p>
+            <a:r>
+              <a:rPr lang="en-US" dirty="0" err="1"/>
+              <a:t>BackEnd</a:t>
+            </a:r>
+            <a:r>
+              <a:rPr lang="en-US" dirty="0"/>
+              <a:t> Stack</a:t>
+            </a:r>
+          </a:p>
+        </p:txBody>
+      </p:sp>
+      <p:sp>
+        <p:nvSpPr>
+          <p:cNvPr id="3" name="Content Placeholder 2">
+            <a:extLst>
+              <a:ext uri="{FF2B5EF4-FFF2-40B4-BE49-F238E27FC236}">
+                <a16:creationId xmlns:a16="http://schemas.microsoft.com/office/drawing/2014/main" id="{06D1D572-4A71-1042-BBA4-913DBB7B3D20}"/>
+              </a:ext>
+            </a:extLst>
+          </p:cNvPr>
+          <p:cNvSpPr>
+            <a:spLocks noGrp="1"/>
+          </p:cNvSpPr>
+          <p:nvPr>
+            <p:ph idx="1"/>
+          </p:nvPr>
+        </p:nvSpPr>
+        <p:spPr/>
+        <p:txBody>
+          <a:bodyPr/>
+          <a:lstStyle/>
+          <a:p>
+            <a:r>
+              <a:rPr lang="en-US" dirty="0"/>
+              <a:t>Node JS</a:t>
+            </a:r>
+          </a:p>
+          <a:p>
+            <a:pPr lvl="1"/>
+            <a:r>
+              <a:rPr lang="en-US" dirty="0"/>
+              <a:t>To have a single language code base</a:t>
+            </a:r>
+          </a:p>
+          <a:p>
+            <a:pPr lvl="1"/>
+            <a:endParaRPr lang="en-US" dirty="0"/>
+          </a:p>
+          <a:p>
+            <a:pPr marL="0" indent="0">
+              <a:buNone/>
+            </a:pPr>
+            <a:r>
+              <a:rPr lang="en-US" dirty="0"/>
+              <a:t>Dependencies Used :</a:t>
+            </a:r>
+          </a:p>
+          <a:p>
+            <a:pPr marL="514350" indent="-514350">
+              <a:buAutoNum type="arabicPeriod"/>
+            </a:pPr>
+            <a:r>
+              <a:rPr lang="en-US" dirty="0"/>
+              <a:t>body parser</a:t>
+            </a:r>
+          </a:p>
+          <a:p>
+            <a:pPr marL="514350" indent="-514350">
+              <a:buAutoNum type="arabicPeriod"/>
+            </a:pPr>
+            <a:r>
+              <a:rPr lang="en-US" dirty="0" err="1"/>
+              <a:t>Cors</a:t>
+            </a:r>
+            <a:endParaRPr lang="en-US" dirty="0"/>
+          </a:p>
+          <a:p>
+            <a:pPr marL="514350" indent="-514350">
+              <a:buFont typeface="+mj-lt"/>
+              <a:buAutoNum type="arabicPeriod"/>
+            </a:pPr>
+            <a:r>
+              <a:rPr lang="en-US" dirty="0"/>
+              <a:t>Express</a:t>
+            </a:r>
+          </a:p>
+          <a:p>
+            <a:pPr marL="514350" indent="-514350">
+              <a:buFont typeface="+mj-lt"/>
+              <a:buAutoNum type="arabicPeriod"/>
+            </a:pPr>
+            <a:r>
+              <a:rPr lang="en-US" dirty="0"/>
+              <a:t>mongoose</a:t>
+            </a:r>
+          </a:p>
+        </p:txBody>
+      </p:sp>
+    </p:spTree>
+    <p:extLst>
+      <p:ext uri="{BB962C8B-B14F-4D97-AF65-F5344CB8AC3E}">
+        <p14:creationId xmlns:p14="http://schemas.microsoft.com/office/powerpoint/2010/main" val="1138859203"/>
+      </p:ext>
+    </p:extLst>
+  </p:cSld>
+  <p:clrMapOvr>
+    <a:masterClrMapping/>
+  </p:clrMapOvr>
+</p:sld>
+</file>
+
+<file path=ppt/slides/slide7.xml><?xml version="1.0" encoding="utf-8"?>
 <p:sld xmlns:a="http://schemas.openxmlformats.org/drawingml/2006/main" xmlns:r="http://schemas.openxmlformats.org/officeDocument/2006/relationships" xmlns:p="http://schemas.openxmlformats.org/presentationml/2006/main">
   <p:cSld>
     <p:spTree>

--- a/Arch and decision choices.pptx
+++ b/Arch and decision choices.pptx
@@ -11,7 +11,10 @@
     <p:sldId id="260" r:id="rId5"/>
     <p:sldId id="261" r:id="rId6"/>
     <p:sldId id="262" r:id="rId7"/>
-    <p:sldId id="259" r:id="rId8"/>
+    <p:sldId id="263" r:id="rId8"/>
+    <p:sldId id="264" r:id="rId9"/>
+    <p:sldId id="265" r:id="rId10"/>
+    <p:sldId id="259" r:id="rId11"/>
   </p:sldIdLst>
   <p:sldSz cx="12192000" cy="6858000"/>
   <p:notesSz cx="6858000" cy="9144000"/>
@@ -3396,6 +3399,118 @@
 </p:sld>
 </file>
 
+<file path=ppt/slides/slide10.xml><?xml version="1.0" encoding="utf-8"?>
+<p:sld xmlns:a="http://schemas.openxmlformats.org/drawingml/2006/main" xmlns:r="http://schemas.openxmlformats.org/officeDocument/2006/relationships" xmlns:p="http://schemas.openxmlformats.org/presentationml/2006/main">
+  <p:cSld>
+    <p:spTree>
+      <p:nvGrpSpPr>
+        <p:cNvPr id="1" name=""/>
+        <p:cNvGrpSpPr/>
+        <p:nvPr/>
+      </p:nvGrpSpPr>
+      <p:grpSpPr>
+        <a:xfrm>
+          <a:off x="0" y="0"/>
+          <a:ext cx="0" cy="0"/>
+          <a:chOff x="0" y="0"/>
+          <a:chExt cx="0" cy="0"/>
+        </a:xfrm>
+      </p:grpSpPr>
+      <p:sp>
+        <p:nvSpPr>
+          <p:cNvPr id="2" name="Title 1">
+            <a:extLst>
+              <a:ext uri="{FF2B5EF4-FFF2-40B4-BE49-F238E27FC236}">
+                <a16:creationId xmlns:a16="http://schemas.microsoft.com/office/drawing/2014/main" id="{30739FE9-8222-B244-9521-6D116357465E}"/>
+              </a:ext>
+            </a:extLst>
+          </p:cNvPr>
+          <p:cNvSpPr>
+            <a:spLocks noGrp="1"/>
+          </p:cNvSpPr>
+          <p:nvPr>
+            <p:ph type="title"/>
+          </p:nvPr>
+        </p:nvSpPr>
+        <p:spPr/>
+        <p:txBody>
+          <a:bodyPr/>
+          <a:lstStyle/>
+          <a:p>
+            <a:r>
+              <a:rPr lang="en-US" dirty="0"/>
+              <a:t>Mongo DB</a:t>
+            </a:r>
+          </a:p>
+        </p:txBody>
+      </p:sp>
+      <p:sp>
+        <p:nvSpPr>
+          <p:cNvPr id="3" name="Content Placeholder 2">
+            <a:extLst>
+              <a:ext uri="{FF2B5EF4-FFF2-40B4-BE49-F238E27FC236}">
+                <a16:creationId xmlns:a16="http://schemas.microsoft.com/office/drawing/2014/main" id="{07DC3D0E-D927-0E4B-B2CD-E29B25C317AA}"/>
+              </a:ext>
+            </a:extLst>
+          </p:cNvPr>
+          <p:cNvSpPr>
+            <a:spLocks noGrp="1"/>
+          </p:cNvSpPr>
+          <p:nvPr>
+            <p:ph idx="1"/>
+          </p:nvPr>
+        </p:nvSpPr>
+        <p:spPr/>
+        <p:txBody>
+          <a:bodyPr/>
+          <a:lstStyle/>
+          <a:p>
+            <a:r>
+              <a:rPr lang="en-US" dirty="0">
+                <a:hlinkClick r:id="rId2"/>
+              </a:rPr>
+              <a:t>https://cloud.mongodb.com/v2/60323f57c973b545aa50aecd#clusters</a:t>
+            </a:r>
+            <a:endParaRPr lang="en-US" dirty="0"/>
+          </a:p>
+          <a:p>
+            <a:endParaRPr lang="en-US" dirty="0"/>
+          </a:p>
+          <a:p>
+            <a:r>
+              <a:rPr lang="en-US" dirty="0"/>
+              <a:t>DB Name : intuit</a:t>
+            </a:r>
+          </a:p>
+          <a:p>
+            <a:endParaRPr lang="en-US" dirty="0"/>
+          </a:p>
+          <a:p>
+            <a:r>
+              <a:rPr lang="en-US" dirty="0"/>
+              <a:t>Collection Name : </a:t>
+            </a:r>
+            <a:r>
+              <a:rPr lang="en-US" dirty="0" err="1"/>
+              <a:t>intuitorders</a:t>
+            </a:r>
+            <a:endParaRPr lang="en-US" dirty="0"/>
+          </a:p>
+        </p:txBody>
+      </p:sp>
+    </p:spTree>
+    <p:extLst>
+      <p:ext uri="{BB962C8B-B14F-4D97-AF65-F5344CB8AC3E}">
+        <p14:creationId xmlns:p14="http://schemas.microsoft.com/office/powerpoint/2010/main" val="1439346313"/>
+      </p:ext>
+    </p:extLst>
+  </p:cSld>
+  <p:clrMapOvr>
+    <a:masterClrMapping/>
+  </p:clrMapOvr>
+</p:sld>
+</file>
+
 <file path=ppt/slides/slide2.xml><?xml version="1.0" encoding="utf-8"?>
 <p:sld xmlns:a="http://schemas.openxmlformats.org/drawingml/2006/main" xmlns:r="http://schemas.openxmlformats.org/officeDocument/2006/relationships" xmlns:p="http://schemas.openxmlformats.org/presentationml/2006/main">
   <p:cSld>
@@ -4080,9 +4195,16 @@
             <p:ph idx="1"/>
           </p:nvPr>
         </p:nvSpPr>
-        <p:spPr/>
-        <p:txBody>
-          <a:bodyPr/>
+        <p:spPr>
+          <a:xfrm>
+            <a:off x="838200" y="1323833"/>
+            <a:ext cx="10515600" cy="4853130"/>
+          </a:xfrm>
+        </p:spPr>
+        <p:txBody>
+          <a:bodyPr>
+            <a:normAutofit lnSpcReduction="10000"/>
+          </a:bodyPr>
           <a:lstStyle/>
           <a:p>
             <a:r>
@@ -4096,10 +4218,6 @@
               <a:rPr lang="en-US" dirty="0"/>
               <a:t>To have a single language code base</a:t>
             </a:r>
-          </a:p>
-          <a:p>
-            <a:pPr lvl="1"/>
-            <a:endParaRPr lang="en-US" dirty="0"/>
           </a:p>
           <a:p>
             <a:pPr marL="0" indent="0">
@@ -4146,7 +4264,34 @@
             </a:pPr>
             <a:r>
               <a:rPr lang="en-US" dirty="0"/>
-              <a:t>mongoose</a:t>
+              <a:t>Mongoose -&gt; Utility for interacting with MongoDB</a:t>
+            </a:r>
+          </a:p>
+          <a:p>
+            <a:pPr marL="514350" indent="-514350">
+              <a:buFont typeface="+mj-lt"/>
+              <a:buAutoNum type="arabicPeriod"/>
+            </a:pPr>
+            <a:endParaRPr lang="en-US" dirty="0"/>
+          </a:p>
+          <a:p>
+            <a:r>
+              <a:rPr lang="en-US" dirty="0"/>
+              <a:t>Mongo</a:t>
+            </a:r>
+          </a:p>
+          <a:p>
+            <a:pPr lvl="1"/>
+            <a:r>
+              <a:rPr lang="en-US" dirty="0"/>
+              <a:t>Document based Data storage</a:t>
+            </a:r>
+          </a:p>
+          <a:p>
+            <a:pPr lvl="1"/>
+            <a:r>
+              <a:rPr lang="en-US" dirty="0"/>
+              <a:t>Suitable for searching</a:t>
             </a:r>
           </a:p>
         </p:txBody>
@@ -4186,7 +4331,7 @@
           <p:cNvPr id="2" name="Title 1">
             <a:extLst>
               <a:ext uri="{FF2B5EF4-FFF2-40B4-BE49-F238E27FC236}">
-                <a16:creationId xmlns:a16="http://schemas.microsoft.com/office/drawing/2014/main" id="{30739FE9-8222-B244-9521-6D116357465E}"/>
+                <a16:creationId xmlns:a16="http://schemas.microsoft.com/office/drawing/2014/main" id="{0A86471D-5179-2042-8210-EF017FD7215B}"/>
               </a:ext>
             </a:extLst>
           </p:cNvPr>
@@ -4204,7 +4349,7 @@
           <a:p>
             <a:r>
               <a:rPr lang="en-US" dirty="0"/>
-              <a:t>Mongo DB</a:t>
+              <a:t>Feature included</a:t>
             </a:r>
           </a:p>
         </p:txBody>
@@ -4214,7 +4359,7 @@
           <p:cNvPr id="3" name="Content Placeholder 2">
             <a:extLst>
               <a:ext uri="{FF2B5EF4-FFF2-40B4-BE49-F238E27FC236}">
-                <a16:creationId xmlns:a16="http://schemas.microsoft.com/office/drawing/2014/main" id="{07DC3D0E-D927-0E4B-B2CD-E29B25C317AA}"/>
+                <a16:creationId xmlns:a16="http://schemas.microsoft.com/office/drawing/2014/main" id="{0BDE8700-3939-D64A-933C-55DBD8127E50}"/>
               </a:ext>
             </a:extLst>
           </p:cNvPr>
@@ -4227,14 +4372,18 @@
         </p:nvSpPr>
         <p:spPr/>
         <p:txBody>
-          <a:bodyPr/>
-          <a:lstStyle/>
-          <a:p>
-            <a:r>
-              <a:rPr lang="en-US" dirty="0">
-                <a:hlinkClick r:id="rId2"/>
-              </a:rPr>
-              <a:t>https://cloud.mongodb.com/v2/60323f57c973b545aa50aecd#clusters</a:t>
+          <a:bodyPr>
+            <a:normAutofit lnSpcReduction="10000"/>
+          </a:bodyPr>
+          <a:lstStyle/>
+          <a:p>
+            <a:r>
+              <a:rPr lang="en-US" dirty="0"/>
+              <a:t>UI for login with Google </a:t>
+            </a:r>
+            <a:r>
+              <a:rPr lang="en-US" dirty="0" err="1"/>
+              <a:t>Oauth</a:t>
             </a:r>
             <a:endParaRPr lang="en-US" dirty="0"/>
           </a:p>
@@ -4244,21 +4393,73 @@
           <a:p>
             <a:r>
               <a:rPr lang="en-US" dirty="0"/>
-              <a:t>DB Name : intuit</a:t>
-            </a:r>
-          </a:p>
-          <a:p>
+              <a:t>UI for order </a:t>
+            </a:r>
+            <a:r>
+              <a:rPr lang="en-US" dirty="0" err="1"/>
+              <a:t>managerment</a:t>
+            </a:r>
+            <a:r>
+              <a:rPr lang="en-US" dirty="0"/>
+              <a:t> and Rest API</a:t>
+            </a:r>
+          </a:p>
+          <a:p>
+            <a:pPr lvl="1"/>
+            <a:r>
+              <a:rPr lang="en-US" dirty="0"/>
+              <a:t>Create</a:t>
+            </a:r>
+          </a:p>
+          <a:p>
+            <a:pPr lvl="1"/>
+            <a:r>
+              <a:rPr lang="en-US" dirty="0"/>
+              <a:t>Update</a:t>
+            </a:r>
+          </a:p>
+          <a:p>
+            <a:pPr lvl="1"/>
+            <a:r>
+              <a:rPr lang="en-US" dirty="0"/>
+              <a:t>Delete</a:t>
+            </a:r>
+          </a:p>
+          <a:p>
+            <a:pPr lvl="1"/>
+            <a:r>
+              <a:rPr lang="en-US" dirty="0"/>
+              <a:t>Read </a:t>
+            </a:r>
+          </a:p>
+          <a:p>
+            <a:pPr lvl="1"/>
             <a:endParaRPr lang="en-US" dirty="0"/>
           </a:p>
           <a:p>
-            <a:r>
-              <a:rPr lang="en-US" dirty="0"/>
-              <a:t>Collection Name : </a:t>
-            </a:r>
-            <a:r>
-              <a:rPr lang="en-US" dirty="0" err="1"/>
-              <a:t>intuitorders</a:t>
-            </a:r>
+            <a:pPr marL="0" indent="0">
+              <a:buNone/>
+            </a:pPr>
+            <a:r>
+              <a:rPr lang="en-US" dirty="0"/>
+              <a:t>Persistence to DB</a:t>
+            </a:r>
+          </a:p>
+          <a:p>
+            <a:pPr marL="0" indent="0">
+              <a:buNone/>
+            </a:pPr>
+            <a:r>
+              <a:rPr lang="en-US" dirty="0"/>
+              <a:t>	</a:t>
+            </a:r>
+          </a:p>
+          <a:p>
+            <a:pPr lvl="1"/>
+            <a:endParaRPr lang="en-US" dirty="0"/>
+          </a:p>
+          <a:p>
+            <a:pPr lvl="1"/>
             <a:endParaRPr lang="en-US" dirty="0"/>
           </a:p>
         </p:txBody>
@@ -4266,7 +4467,255 @@
     </p:spTree>
     <p:extLst>
       <p:ext uri="{BB962C8B-B14F-4D97-AF65-F5344CB8AC3E}">
-        <p14:creationId xmlns:p14="http://schemas.microsoft.com/office/powerpoint/2010/main" val="1439346313"/>
+        <p14:creationId xmlns:p14="http://schemas.microsoft.com/office/powerpoint/2010/main" val="3603643049"/>
+      </p:ext>
+    </p:extLst>
+  </p:cSld>
+  <p:clrMapOvr>
+    <a:masterClrMapping/>
+  </p:clrMapOvr>
+</p:sld>
+</file>
+
+<file path=ppt/slides/slide8.xml><?xml version="1.0" encoding="utf-8"?>
+<p:sld xmlns:a="http://schemas.openxmlformats.org/drawingml/2006/main" xmlns:r="http://schemas.openxmlformats.org/officeDocument/2006/relationships" xmlns:p="http://schemas.openxmlformats.org/presentationml/2006/main">
+  <p:cSld>
+    <p:spTree>
+      <p:nvGrpSpPr>
+        <p:cNvPr id="1" name=""/>
+        <p:cNvGrpSpPr/>
+        <p:nvPr/>
+      </p:nvGrpSpPr>
+      <p:grpSpPr>
+        <a:xfrm>
+          <a:off x="0" y="0"/>
+          <a:ext cx="0" cy="0"/>
+          <a:chOff x="0" y="0"/>
+          <a:chExt cx="0" cy="0"/>
+        </a:xfrm>
+      </p:grpSpPr>
+      <p:sp>
+        <p:nvSpPr>
+          <p:cNvPr id="2" name="Title 1">
+            <a:extLst>
+              <a:ext uri="{FF2B5EF4-FFF2-40B4-BE49-F238E27FC236}">
+                <a16:creationId xmlns:a16="http://schemas.microsoft.com/office/drawing/2014/main" id="{6808E384-CB27-B941-A8EB-D72C21783A45}"/>
+              </a:ext>
+            </a:extLst>
+          </p:cNvPr>
+          <p:cNvSpPr>
+            <a:spLocks noGrp="1"/>
+          </p:cNvSpPr>
+          <p:nvPr>
+            <p:ph type="title"/>
+          </p:nvPr>
+        </p:nvSpPr>
+        <p:spPr/>
+        <p:txBody>
+          <a:bodyPr/>
+          <a:lstStyle/>
+          <a:p>
+            <a:r>
+              <a:rPr lang="en-US" dirty="0"/>
+              <a:t>Feature not included</a:t>
+            </a:r>
+          </a:p>
+        </p:txBody>
+      </p:sp>
+      <p:sp>
+        <p:nvSpPr>
+          <p:cNvPr id="3" name="Content Placeholder 2">
+            <a:extLst>
+              <a:ext uri="{FF2B5EF4-FFF2-40B4-BE49-F238E27FC236}">
+                <a16:creationId xmlns:a16="http://schemas.microsoft.com/office/drawing/2014/main" id="{149C5540-124D-B445-8C85-4DAE9AC7D58F}"/>
+              </a:ext>
+            </a:extLst>
+          </p:cNvPr>
+          <p:cNvSpPr>
+            <a:spLocks noGrp="1"/>
+          </p:cNvSpPr>
+          <p:nvPr>
+            <p:ph idx="1"/>
+          </p:nvPr>
+        </p:nvSpPr>
+        <p:spPr/>
+        <p:txBody>
+          <a:bodyPr/>
+          <a:lstStyle/>
+          <a:p>
+            <a:r>
+              <a:rPr lang="en-US" dirty="0"/>
+              <a:t>Editing the User info</a:t>
+            </a:r>
+          </a:p>
+          <a:p>
+            <a:endParaRPr lang="en-US" dirty="0"/>
+          </a:p>
+          <a:p>
+            <a:r>
+              <a:rPr lang="en-US" dirty="0"/>
+              <a:t>Protected Routing for user as User Info page was not included</a:t>
+            </a:r>
+          </a:p>
+          <a:p>
+            <a:endParaRPr lang="en-US" dirty="0"/>
+          </a:p>
+          <a:p>
+            <a:r>
+              <a:rPr lang="en-US" dirty="0"/>
+              <a:t>Searching of Orders</a:t>
+            </a:r>
+          </a:p>
+        </p:txBody>
+      </p:sp>
+    </p:spTree>
+    <p:extLst>
+      <p:ext uri="{BB962C8B-B14F-4D97-AF65-F5344CB8AC3E}">
+        <p14:creationId xmlns:p14="http://schemas.microsoft.com/office/powerpoint/2010/main" val="3587869909"/>
+      </p:ext>
+    </p:extLst>
+  </p:cSld>
+  <p:clrMapOvr>
+    <a:masterClrMapping/>
+  </p:clrMapOvr>
+</p:sld>
+</file>
+
+<file path=ppt/slides/slide9.xml><?xml version="1.0" encoding="utf-8"?>
+<p:sld xmlns:a="http://schemas.openxmlformats.org/drawingml/2006/main" xmlns:r="http://schemas.openxmlformats.org/officeDocument/2006/relationships" xmlns:p="http://schemas.openxmlformats.org/presentationml/2006/main">
+  <p:cSld>
+    <p:spTree>
+      <p:nvGrpSpPr>
+        <p:cNvPr id="1" name=""/>
+        <p:cNvGrpSpPr/>
+        <p:nvPr/>
+      </p:nvGrpSpPr>
+      <p:grpSpPr>
+        <a:xfrm>
+          <a:off x="0" y="0"/>
+          <a:ext cx="0" cy="0"/>
+          <a:chOff x="0" y="0"/>
+          <a:chExt cx="0" cy="0"/>
+        </a:xfrm>
+      </p:grpSpPr>
+      <p:sp>
+        <p:nvSpPr>
+          <p:cNvPr id="2" name="Title 1">
+            <a:extLst>
+              <a:ext uri="{FF2B5EF4-FFF2-40B4-BE49-F238E27FC236}">
+                <a16:creationId xmlns:a16="http://schemas.microsoft.com/office/drawing/2014/main" id="{88DC85D9-1CBA-AE4A-9076-D29B938510DB}"/>
+              </a:ext>
+            </a:extLst>
+          </p:cNvPr>
+          <p:cNvSpPr>
+            <a:spLocks noGrp="1"/>
+          </p:cNvSpPr>
+          <p:nvPr>
+            <p:ph type="title"/>
+          </p:nvPr>
+        </p:nvSpPr>
+        <p:spPr/>
+        <p:txBody>
+          <a:bodyPr/>
+          <a:lstStyle/>
+          <a:p>
+            <a:r>
+              <a:rPr lang="en-US" dirty="0"/>
+              <a:t>Good to have Features</a:t>
+            </a:r>
+          </a:p>
+        </p:txBody>
+      </p:sp>
+      <p:sp>
+        <p:nvSpPr>
+          <p:cNvPr id="3" name="Content Placeholder 2">
+            <a:extLst>
+              <a:ext uri="{FF2B5EF4-FFF2-40B4-BE49-F238E27FC236}">
+                <a16:creationId xmlns:a16="http://schemas.microsoft.com/office/drawing/2014/main" id="{FFFF6722-2246-514E-8EBF-10D4E70C7BC7}"/>
+              </a:ext>
+            </a:extLst>
+          </p:cNvPr>
+          <p:cNvSpPr>
+            <a:spLocks noGrp="1"/>
+          </p:cNvSpPr>
+          <p:nvPr>
+            <p:ph idx="1"/>
+          </p:nvPr>
+        </p:nvSpPr>
+        <p:spPr/>
+        <p:txBody>
+          <a:bodyPr>
+            <a:normAutofit lnSpcReduction="10000"/>
+          </a:bodyPr>
+          <a:lstStyle/>
+          <a:p>
+            <a:r>
+              <a:rPr lang="en-US" dirty="0"/>
+              <a:t>Auto addition of user details while adding order</a:t>
+            </a:r>
+          </a:p>
+          <a:p>
+            <a:endParaRPr lang="en-US" dirty="0"/>
+          </a:p>
+          <a:p>
+            <a:r>
+              <a:rPr lang="en-US" dirty="0"/>
+              <a:t>Hosting it in public domain(Heroku, </a:t>
+            </a:r>
+            <a:r>
+              <a:rPr lang="en-US" dirty="0" err="1"/>
+              <a:t>zepp</a:t>
+            </a:r>
+            <a:r>
+              <a:rPr lang="en-US" dirty="0"/>
+              <a:t>)</a:t>
+            </a:r>
+          </a:p>
+          <a:p>
+            <a:endParaRPr lang="en-US" dirty="0"/>
+          </a:p>
+          <a:p>
+            <a:r>
+              <a:rPr lang="en-US" dirty="0"/>
+              <a:t>Side bar for navigation</a:t>
+            </a:r>
+          </a:p>
+          <a:p>
+            <a:endParaRPr lang="en-US" dirty="0"/>
+          </a:p>
+          <a:p>
+            <a:r>
+              <a:rPr lang="en-US" dirty="0"/>
+              <a:t>Table based UI and its functionalities</a:t>
+            </a:r>
+          </a:p>
+          <a:p>
+            <a:pPr lvl="1"/>
+            <a:r>
+              <a:rPr lang="en-US" dirty="0"/>
+              <a:t>Search</a:t>
+            </a:r>
+          </a:p>
+          <a:p>
+            <a:pPr lvl="1"/>
+            <a:r>
+              <a:rPr lang="en-US" dirty="0"/>
+              <a:t>Filter</a:t>
+            </a:r>
+          </a:p>
+          <a:p>
+            <a:pPr lvl="1"/>
+            <a:r>
+              <a:rPr lang="en-US" dirty="0"/>
+              <a:t>Sort</a:t>
+            </a:r>
+          </a:p>
+        </p:txBody>
+      </p:sp>
+    </p:spTree>
+    <p:extLst>
+      <p:ext uri="{BB962C8B-B14F-4D97-AF65-F5344CB8AC3E}">
+        <p14:creationId xmlns:p14="http://schemas.microsoft.com/office/powerpoint/2010/main" val="4003936404"/>
       </p:ext>
     </p:extLst>
   </p:cSld>

--- a/Arch and decision choices.pptx
+++ b/Arch and decision choices.pptx
@@ -4,6 +4,9 @@
   <p:sldMasterIdLst>
     <p:sldMasterId id="2147483648" r:id="rId1"/>
   </p:sldMasterIdLst>
+  <p:notesMasterIdLst>
+    <p:notesMasterId r:id="rId13"/>
+  </p:notesMasterIdLst>
   <p:sldIdLst>
     <p:sldId id="256" r:id="rId2"/>
     <p:sldId id="257" r:id="rId3"/>
@@ -15,6 +18,7 @@
     <p:sldId id="264" r:id="rId9"/>
     <p:sldId id="265" r:id="rId10"/>
     <p:sldId id="259" r:id="rId11"/>
+    <p:sldId id="266" r:id="rId12"/>
   </p:sldIdLst>
   <p:sldSz cx="12192000" cy="6858000"/>
   <p:notesSz cx="6858000" cy="9144000"/>
@@ -114,6 +118,439 @@
     </a:lvl9pPr>
   </p:defaultTextStyle>
 </p:presentation>
+</file>
+
+<file path=ppt/notesMasters/notesMaster1.xml><?xml version="1.0" encoding="utf-8"?>
+<p:notesMaster xmlns:a="http://schemas.openxmlformats.org/drawingml/2006/main" xmlns:r="http://schemas.openxmlformats.org/officeDocument/2006/relationships" xmlns:p="http://schemas.openxmlformats.org/presentationml/2006/main">
+  <p:cSld>
+    <p:bg>
+      <p:bgRef idx="1001">
+        <a:schemeClr val="bg1"/>
+      </p:bgRef>
+    </p:bg>
+    <p:spTree>
+      <p:nvGrpSpPr>
+        <p:cNvPr id="1" name=""/>
+        <p:cNvGrpSpPr/>
+        <p:nvPr/>
+      </p:nvGrpSpPr>
+      <p:grpSpPr>
+        <a:xfrm>
+          <a:off x="0" y="0"/>
+          <a:ext cx="0" cy="0"/>
+          <a:chOff x="0" y="0"/>
+          <a:chExt cx="0" cy="0"/>
+        </a:xfrm>
+      </p:grpSpPr>
+      <p:sp>
+        <p:nvSpPr>
+          <p:cNvPr id="2" name="Header Placeholder 1"/>
+          <p:cNvSpPr>
+            <a:spLocks noGrp="1"/>
+          </p:cNvSpPr>
+          <p:nvPr>
+            <p:ph type="hdr" sz="quarter"/>
+          </p:nvPr>
+        </p:nvSpPr>
+        <p:spPr>
+          <a:xfrm>
+            <a:off x="0" y="0"/>
+            <a:ext cx="2971800" cy="458788"/>
+          </a:xfrm>
+          <a:prstGeom prst="rect">
+            <a:avLst/>
+          </a:prstGeom>
+        </p:spPr>
+        <p:txBody>
+          <a:bodyPr vert="horz" lIns="91440" tIns="45720" rIns="91440" bIns="45720" rtlCol="0"/>
+          <a:lstStyle>
+            <a:lvl1pPr algn="l">
+              <a:defRPr sz="1200"/>
+            </a:lvl1pPr>
+          </a:lstStyle>
+          <a:p>
+            <a:endParaRPr lang="en-US"/>
+          </a:p>
+        </p:txBody>
+      </p:sp>
+      <p:sp>
+        <p:nvSpPr>
+          <p:cNvPr id="3" name="Date Placeholder 2"/>
+          <p:cNvSpPr>
+            <a:spLocks noGrp="1"/>
+          </p:cNvSpPr>
+          <p:nvPr>
+            <p:ph type="dt" idx="1"/>
+          </p:nvPr>
+        </p:nvSpPr>
+        <p:spPr>
+          <a:xfrm>
+            <a:off x="3884613" y="0"/>
+            <a:ext cx="2971800" cy="458788"/>
+          </a:xfrm>
+          <a:prstGeom prst="rect">
+            <a:avLst/>
+          </a:prstGeom>
+        </p:spPr>
+        <p:txBody>
+          <a:bodyPr vert="horz" lIns="91440" tIns="45720" rIns="91440" bIns="45720" rtlCol="0"/>
+          <a:lstStyle>
+            <a:lvl1pPr algn="r">
+              <a:defRPr sz="1200"/>
+            </a:lvl1pPr>
+          </a:lstStyle>
+          <a:p>
+            <a:fld id="{3F200029-5ED0-6A44-8341-02D9FCC9B149}" type="datetimeFigureOut">
+              <a:rPr lang="en-US" smtClean="0"/>
+              <a:t>3/1/21</a:t>
+            </a:fld>
+            <a:endParaRPr lang="en-US"/>
+          </a:p>
+        </p:txBody>
+      </p:sp>
+      <p:sp>
+        <p:nvSpPr>
+          <p:cNvPr id="4" name="Slide Image Placeholder 3"/>
+          <p:cNvSpPr>
+            <a:spLocks noGrp="1" noRot="1" noChangeAspect="1"/>
+          </p:cNvSpPr>
+          <p:nvPr>
+            <p:ph type="sldImg" idx="2"/>
+          </p:nvPr>
+        </p:nvSpPr>
+        <p:spPr>
+          <a:xfrm>
+            <a:off x="685800" y="1143000"/>
+            <a:ext cx="5486400" cy="3086100"/>
+          </a:xfrm>
+          <a:prstGeom prst="rect">
+            <a:avLst/>
+          </a:prstGeom>
+          <a:noFill/>
+          <a:ln w="12700">
+            <a:solidFill>
+              <a:prstClr val="black"/>
+            </a:solidFill>
+          </a:ln>
+        </p:spPr>
+        <p:txBody>
+          <a:bodyPr vert="horz" lIns="91440" tIns="45720" rIns="91440" bIns="45720" rtlCol="0" anchor="ctr"/>
+          <a:lstStyle/>
+          <a:p>
+            <a:endParaRPr lang="en-US"/>
+          </a:p>
+        </p:txBody>
+      </p:sp>
+      <p:sp>
+        <p:nvSpPr>
+          <p:cNvPr id="5" name="Notes Placeholder 4"/>
+          <p:cNvSpPr>
+            <a:spLocks noGrp="1"/>
+          </p:cNvSpPr>
+          <p:nvPr>
+            <p:ph type="body" sz="quarter" idx="3"/>
+          </p:nvPr>
+        </p:nvSpPr>
+        <p:spPr>
+          <a:xfrm>
+            <a:off x="685800" y="4400550"/>
+            <a:ext cx="5486400" cy="3600450"/>
+          </a:xfrm>
+          <a:prstGeom prst="rect">
+            <a:avLst/>
+          </a:prstGeom>
+        </p:spPr>
+        <p:txBody>
+          <a:bodyPr vert="horz" lIns="91440" tIns="45720" rIns="91440" bIns="45720" rtlCol="0"/>
+          <a:lstStyle/>
+          <a:p>
+            <a:pPr lvl="0"/>
+            <a:r>
+              <a:rPr lang="en-US"/>
+              <a:t>Click to edit Master text styles</a:t>
+            </a:r>
+          </a:p>
+          <a:p>
+            <a:pPr lvl="1"/>
+            <a:r>
+              <a:rPr lang="en-US"/>
+              <a:t>Second level</a:t>
+            </a:r>
+          </a:p>
+          <a:p>
+            <a:pPr lvl="2"/>
+            <a:r>
+              <a:rPr lang="en-US"/>
+              <a:t>Third level</a:t>
+            </a:r>
+          </a:p>
+          <a:p>
+            <a:pPr lvl="3"/>
+            <a:r>
+              <a:rPr lang="en-US"/>
+              <a:t>Fourth level</a:t>
+            </a:r>
+          </a:p>
+          <a:p>
+            <a:pPr lvl="4"/>
+            <a:r>
+              <a:rPr lang="en-US"/>
+              <a:t>Fifth level</a:t>
+            </a:r>
+          </a:p>
+        </p:txBody>
+      </p:sp>
+      <p:sp>
+        <p:nvSpPr>
+          <p:cNvPr id="6" name="Footer Placeholder 5"/>
+          <p:cNvSpPr>
+            <a:spLocks noGrp="1"/>
+          </p:cNvSpPr>
+          <p:nvPr>
+            <p:ph type="ftr" sz="quarter" idx="4"/>
+          </p:nvPr>
+        </p:nvSpPr>
+        <p:spPr>
+          <a:xfrm>
+            <a:off x="0" y="8685213"/>
+            <a:ext cx="2971800" cy="458787"/>
+          </a:xfrm>
+          <a:prstGeom prst="rect">
+            <a:avLst/>
+          </a:prstGeom>
+        </p:spPr>
+        <p:txBody>
+          <a:bodyPr vert="horz" lIns="91440" tIns="45720" rIns="91440" bIns="45720" rtlCol="0" anchor="b"/>
+          <a:lstStyle>
+            <a:lvl1pPr algn="l">
+              <a:defRPr sz="1200"/>
+            </a:lvl1pPr>
+          </a:lstStyle>
+          <a:p>
+            <a:endParaRPr lang="en-US"/>
+          </a:p>
+        </p:txBody>
+      </p:sp>
+      <p:sp>
+        <p:nvSpPr>
+          <p:cNvPr id="7" name="Slide Number Placeholder 6"/>
+          <p:cNvSpPr>
+            <a:spLocks noGrp="1"/>
+          </p:cNvSpPr>
+          <p:nvPr>
+            <p:ph type="sldNum" sz="quarter" idx="5"/>
+          </p:nvPr>
+        </p:nvSpPr>
+        <p:spPr>
+          <a:xfrm>
+            <a:off x="3884613" y="8685213"/>
+            <a:ext cx="2971800" cy="458787"/>
+          </a:xfrm>
+          <a:prstGeom prst="rect">
+            <a:avLst/>
+          </a:prstGeom>
+        </p:spPr>
+        <p:txBody>
+          <a:bodyPr vert="horz" lIns="91440" tIns="45720" rIns="91440" bIns="45720" rtlCol="0" anchor="b"/>
+          <a:lstStyle>
+            <a:lvl1pPr algn="r">
+              <a:defRPr sz="1200"/>
+            </a:lvl1pPr>
+          </a:lstStyle>
+          <a:p>
+            <a:fld id="{089D80B6-6C01-B048-97FC-7EFEE183400A}" type="slidenum">
+              <a:rPr lang="en-US" smtClean="0"/>
+              <a:t>‹#›</a:t>
+            </a:fld>
+            <a:endParaRPr lang="en-US"/>
+          </a:p>
+        </p:txBody>
+      </p:sp>
+    </p:spTree>
+    <p:extLst>
+      <p:ext uri="{BB962C8B-B14F-4D97-AF65-F5344CB8AC3E}">
+        <p14:creationId xmlns:p14="http://schemas.microsoft.com/office/powerpoint/2010/main" val="3377042331"/>
+      </p:ext>
+    </p:extLst>
+  </p:cSld>
+  <p:clrMap bg1="lt1" tx1="dk1" bg2="lt2" tx2="dk2" accent1="accent1" accent2="accent2" accent3="accent3" accent4="accent4" accent5="accent5" accent6="accent6" hlink="hlink" folHlink="folHlink"/>
+  <p:notesStyle>
+    <a:lvl1pPr marL="0" algn="l" defTabSz="914400" rtl="0" eaLnBrk="1" latinLnBrk="0" hangingPunct="1">
+      <a:defRPr sz="1200" kern="1200">
+        <a:solidFill>
+          <a:schemeClr val="tx1"/>
+        </a:solidFill>
+        <a:latin typeface="+mn-lt"/>
+        <a:ea typeface="+mn-ea"/>
+        <a:cs typeface="+mn-cs"/>
+      </a:defRPr>
+    </a:lvl1pPr>
+    <a:lvl2pPr marL="457200" algn="l" defTabSz="914400" rtl="0" eaLnBrk="1" latinLnBrk="0" hangingPunct="1">
+      <a:defRPr sz="1200" kern="1200">
+        <a:solidFill>
+          <a:schemeClr val="tx1"/>
+        </a:solidFill>
+        <a:latin typeface="+mn-lt"/>
+        <a:ea typeface="+mn-ea"/>
+        <a:cs typeface="+mn-cs"/>
+      </a:defRPr>
+    </a:lvl2pPr>
+    <a:lvl3pPr marL="914400" algn="l" defTabSz="914400" rtl="0" eaLnBrk="1" latinLnBrk="0" hangingPunct="1">
+      <a:defRPr sz="1200" kern="1200">
+        <a:solidFill>
+          <a:schemeClr val="tx1"/>
+        </a:solidFill>
+        <a:latin typeface="+mn-lt"/>
+        <a:ea typeface="+mn-ea"/>
+        <a:cs typeface="+mn-cs"/>
+      </a:defRPr>
+    </a:lvl3pPr>
+    <a:lvl4pPr marL="1371600" algn="l" defTabSz="914400" rtl="0" eaLnBrk="1" latinLnBrk="0" hangingPunct="1">
+      <a:defRPr sz="1200" kern="1200">
+        <a:solidFill>
+          <a:schemeClr val="tx1"/>
+        </a:solidFill>
+        <a:latin typeface="+mn-lt"/>
+        <a:ea typeface="+mn-ea"/>
+        <a:cs typeface="+mn-cs"/>
+      </a:defRPr>
+    </a:lvl4pPr>
+    <a:lvl5pPr marL="1828800" algn="l" defTabSz="914400" rtl="0" eaLnBrk="1" latinLnBrk="0" hangingPunct="1">
+      <a:defRPr sz="1200" kern="1200">
+        <a:solidFill>
+          <a:schemeClr val="tx1"/>
+        </a:solidFill>
+        <a:latin typeface="+mn-lt"/>
+        <a:ea typeface="+mn-ea"/>
+        <a:cs typeface="+mn-cs"/>
+      </a:defRPr>
+    </a:lvl5pPr>
+    <a:lvl6pPr marL="2286000" algn="l" defTabSz="914400" rtl="0" eaLnBrk="1" latinLnBrk="0" hangingPunct="1">
+      <a:defRPr sz="1200" kern="1200">
+        <a:solidFill>
+          <a:schemeClr val="tx1"/>
+        </a:solidFill>
+        <a:latin typeface="+mn-lt"/>
+        <a:ea typeface="+mn-ea"/>
+        <a:cs typeface="+mn-cs"/>
+      </a:defRPr>
+    </a:lvl6pPr>
+    <a:lvl7pPr marL="2743200" algn="l" defTabSz="914400" rtl="0" eaLnBrk="1" latinLnBrk="0" hangingPunct="1">
+      <a:defRPr sz="1200" kern="1200">
+        <a:solidFill>
+          <a:schemeClr val="tx1"/>
+        </a:solidFill>
+        <a:latin typeface="+mn-lt"/>
+        <a:ea typeface="+mn-ea"/>
+        <a:cs typeface="+mn-cs"/>
+      </a:defRPr>
+    </a:lvl7pPr>
+    <a:lvl8pPr marL="3200400" algn="l" defTabSz="914400" rtl="0" eaLnBrk="1" latinLnBrk="0" hangingPunct="1">
+      <a:defRPr sz="1200" kern="1200">
+        <a:solidFill>
+          <a:schemeClr val="tx1"/>
+        </a:solidFill>
+        <a:latin typeface="+mn-lt"/>
+        <a:ea typeface="+mn-ea"/>
+        <a:cs typeface="+mn-cs"/>
+      </a:defRPr>
+    </a:lvl8pPr>
+    <a:lvl9pPr marL="3657600" algn="l" defTabSz="914400" rtl="0" eaLnBrk="1" latinLnBrk="0" hangingPunct="1">
+      <a:defRPr sz="1200" kern="1200">
+        <a:solidFill>
+          <a:schemeClr val="tx1"/>
+        </a:solidFill>
+        <a:latin typeface="+mn-lt"/>
+        <a:ea typeface="+mn-ea"/>
+        <a:cs typeface="+mn-cs"/>
+      </a:defRPr>
+    </a:lvl9pPr>
+  </p:notesStyle>
+</p:notesMaster>
+</file>
+
+<file path=ppt/notesSlides/notesSlide1.xml><?xml version="1.0" encoding="utf-8"?>
+<p:notes xmlns:a="http://schemas.openxmlformats.org/drawingml/2006/main" xmlns:r="http://schemas.openxmlformats.org/officeDocument/2006/relationships" xmlns:p="http://schemas.openxmlformats.org/presentationml/2006/main">
+  <p:cSld>
+    <p:spTree>
+      <p:nvGrpSpPr>
+        <p:cNvPr id="1" name=""/>
+        <p:cNvGrpSpPr/>
+        <p:nvPr/>
+      </p:nvGrpSpPr>
+      <p:grpSpPr>
+        <a:xfrm>
+          <a:off x="0" y="0"/>
+          <a:ext cx="0" cy="0"/>
+          <a:chOff x="0" y="0"/>
+          <a:chExt cx="0" cy="0"/>
+        </a:xfrm>
+      </p:grpSpPr>
+      <p:sp>
+        <p:nvSpPr>
+          <p:cNvPr id="2" name="Slide Image Placeholder 1"/>
+          <p:cNvSpPr>
+            <a:spLocks noGrp="1" noRot="1" noChangeAspect="1"/>
+          </p:cNvSpPr>
+          <p:nvPr>
+            <p:ph type="sldImg"/>
+          </p:nvPr>
+        </p:nvSpPr>
+        <p:spPr/>
+      </p:sp>
+      <p:sp>
+        <p:nvSpPr>
+          <p:cNvPr id="3" name="Notes Placeholder 2"/>
+          <p:cNvSpPr>
+            <a:spLocks noGrp="1"/>
+          </p:cNvSpPr>
+          <p:nvPr>
+            <p:ph type="body" idx="1"/>
+          </p:nvPr>
+        </p:nvSpPr>
+        <p:spPr/>
+        <p:txBody>
+          <a:bodyPr/>
+          <a:lstStyle/>
+          <a:p>
+            <a:endParaRPr lang="en-US" dirty="0"/>
+          </a:p>
+        </p:txBody>
+      </p:sp>
+      <p:sp>
+        <p:nvSpPr>
+          <p:cNvPr id="4" name="Slide Number Placeholder 3"/>
+          <p:cNvSpPr>
+            <a:spLocks noGrp="1"/>
+          </p:cNvSpPr>
+          <p:nvPr>
+            <p:ph type="sldNum" sz="quarter" idx="5"/>
+          </p:nvPr>
+        </p:nvSpPr>
+        <p:spPr/>
+        <p:txBody>
+          <a:bodyPr/>
+          <a:lstStyle/>
+          <a:p>
+            <a:fld id="{089D80B6-6C01-B048-97FC-7EFEE183400A}" type="slidenum">
+              <a:rPr lang="en-US" smtClean="0"/>
+              <a:t>2</a:t>
+            </a:fld>
+            <a:endParaRPr lang="en-US"/>
+          </a:p>
+        </p:txBody>
+      </p:sp>
+    </p:spTree>
+    <p:extLst>
+      <p:ext uri="{BB962C8B-B14F-4D97-AF65-F5344CB8AC3E}">
+        <p14:creationId xmlns:p14="http://schemas.microsoft.com/office/powerpoint/2010/main" val="257123343"/>
+      </p:ext>
+    </p:extLst>
+  </p:cSld>
+  <p:clrMapOvr>
+    <a:masterClrMapping/>
+  </p:clrMapOvr>
+</p:notes>
 </file>
 
 <file path=ppt/slideLayouts/slideLayout1.xml><?xml version="1.0" encoding="utf-8"?>
@@ -3511,6 +3948,167 @@
 </p:sld>
 </file>
 
+<file path=ppt/slides/slide11.xml><?xml version="1.0" encoding="utf-8"?>
+<p:sld xmlns:a="http://schemas.openxmlformats.org/drawingml/2006/main" xmlns:r="http://schemas.openxmlformats.org/officeDocument/2006/relationships" xmlns:p="http://schemas.openxmlformats.org/presentationml/2006/main">
+  <p:cSld>
+    <p:spTree>
+      <p:nvGrpSpPr>
+        <p:cNvPr id="1" name=""/>
+        <p:cNvGrpSpPr/>
+        <p:nvPr/>
+      </p:nvGrpSpPr>
+      <p:grpSpPr>
+        <a:xfrm>
+          <a:off x="0" y="0"/>
+          <a:ext cx="0" cy="0"/>
+          <a:chOff x="0" y="0"/>
+          <a:chExt cx="0" cy="0"/>
+        </a:xfrm>
+      </p:grpSpPr>
+      <p:sp>
+        <p:nvSpPr>
+          <p:cNvPr id="2" name="Title 1">
+            <a:extLst>
+              <a:ext uri="{FF2B5EF4-FFF2-40B4-BE49-F238E27FC236}">
+                <a16:creationId xmlns:a16="http://schemas.microsoft.com/office/drawing/2014/main" id="{A86E3E55-5482-AF4F-85F2-77CD3A05EFF2}"/>
+              </a:ext>
+            </a:extLst>
+          </p:cNvPr>
+          <p:cNvSpPr>
+            <a:spLocks noGrp="1"/>
+          </p:cNvSpPr>
+          <p:nvPr>
+            <p:ph type="title"/>
+          </p:nvPr>
+        </p:nvSpPr>
+        <p:spPr/>
+        <p:txBody>
+          <a:bodyPr/>
+          <a:lstStyle/>
+          <a:p>
+            <a:r>
+              <a:rPr lang="en-US" dirty="0"/>
+              <a:t>Alternative stack in AWS</a:t>
+            </a:r>
+          </a:p>
+        </p:txBody>
+      </p:sp>
+      <p:sp>
+        <p:nvSpPr>
+          <p:cNvPr id="3" name="Content Placeholder 2">
+            <a:extLst>
+              <a:ext uri="{FF2B5EF4-FFF2-40B4-BE49-F238E27FC236}">
+                <a16:creationId xmlns:a16="http://schemas.microsoft.com/office/drawing/2014/main" id="{7EA4545B-D2A7-DB46-95FE-F6C4C40F6A23}"/>
+              </a:ext>
+            </a:extLst>
+          </p:cNvPr>
+          <p:cNvSpPr>
+            <a:spLocks noGrp="1"/>
+          </p:cNvSpPr>
+          <p:nvPr>
+            <p:ph idx="1"/>
+          </p:nvPr>
+        </p:nvSpPr>
+        <p:spPr/>
+        <p:txBody>
+          <a:bodyPr/>
+          <a:lstStyle/>
+          <a:p>
+            <a:r>
+              <a:rPr lang="en-US" dirty="0">
+                <a:hlinkClick r:id="rId2"/>
+              </a:rPr>
+              <a:t>https://github.com/anandharshan/amplifyapp/tree/master</a:t>
+            </a:r>
+            <a:r>
+              <a:rPr lang="en-US" dirty="0"/>
+              <a:t> </a:t>
+            </a:r>
+          </a:p>
+          <a:p>
+            <a:r>
+              <a:rPr lang="en-US" dirty="0"/>
+              <a:t>Initially tried to build in AWS Serverless Stack using Amplify</a:t>
+            </a:r>
+          </a:p>
+          <a:p>
+            <a:endParaRPr lang="en-US" dirty="0"/>
+          </a:p>
+          <a:p>
+            <a:r>
+              <a:rPr lang="en-US" dirty="0"/>
+              <a:t>Amplify</a:t>
+            </a:r>
+          </a:p>
+          <a:p>
+            <a:pPr lvl="1"/>
+            <a:r>
+              <a:rPr lang="en-US" dirty="0"/>
+              <a:t>Serverless hosting</a:t>
+            </a:r>
+          </a:p>
+          <a:p>
+            <a:pPr lvl="1"/>
+            <a:r>
+              <a:rPr lang="en-US" dirty="0"/>
+              <a:t>Generic URL (Route 53)</a:t>
+            </a:r>
+          </a:p>
+          <a:p>
+            <a:pPr lvl="1"/>
+            <a:r>
+              <a:rPr lang="en-US" dirty="0"/>
+              <a:t>Single sign on with Social Auth Integration (Google OAuth)</a:t>
+            </a:r>
+          </a:p>
+          <a:p>
+            <a:pPr lvl="1"/>
+            <a:r>
+              <a:rPr lang="en-US" dirty="0"/>
+              <a:t>Backend Deployment using configuration</a:t>
+            </a:r>
+          </a:p>
+          <a:p>
+            <a:pPr lvl="2"/>
+            <a:r>
+              <a:rPr lang="en-US" dirty="0"/>
+              <a:t>Rest API, DynamoDB, </a:t>
+            </a:r>
+            <a:r>
+              <a:rPr lang="en-US" dirty="0" err="1"/>
+              <a:t>GraphQL</a:t>
+            </a:r>
+            <a:r>
+              <a:rPr lang="en-US" dirty="0"/>
+              <a:t> </a:t>
+            </a:r>
+            <a:r>
+              <a:rPr lang="en-US" dirty="0" err="1"/>
+              <a:t>api</a:t>
+            </a:r>
+            <a:r>
+              <a:rPr lang="en-US" dirty="0"/>
+              <a:t>, Application Gateway and Lambda, and Elastic Search</a:t>
+            </a:r>
+          </a:p>
+          <a:p>
+            <a:endParaRPr lang="en-US" dirty="0"/>
+          </a:p>
+        </p:txBody>
+      </p:sp>
+    </p:spTree>
+    <p:extLst>
+      <p:ext uri="{BB962C8B-B14F-4D97-AF65-F5344CB8AC3E}">
+        <p14:creationId xmlns:p14="http://schemas.microsoft.com/office/powerpoint/2010/main" val="2939012558"/>
+      </p:ext>
+    </p:extLst>
+  </p:cSld>
+  <p:clrMapOvr>
+    <a:masterClrMapping/>
+  </p:clrMapOvr>
+</p:sld>
+</file>
+
 <file path=ppt/slides/slide2.xml><?xml version="1.0" encoding="utf-8"?>
 <p:sld xmlns:a="http://schemas.openxmlformats.org/drawingml/2006/main" xmlns:r="http://schemas.openxmlformats.org/officeDocument/2006/relationships" xmlns:p="http://schemas.openxmlformats.org/presentationml/2006/main">
   <p:cSld>
@@ -3725,9 +4323,10 @@
           <a:p>
             <a:pPr lvl="1"/>
             <a:r>
-              <a:rPr lang="en-US" dirty="0"/>
-              <a:t>Opinionated</a:t>
-            </a:r>
+              <a:rPr lang="en-US"/>
+              <a:t>Unopinionated</a:t>
+            </a:r>
+            <a:endParaRPr lang="en-US" dirty="0"/>
           </a:p>
           <a:p>
             <a:pPr marL="457200" lvl="1" indent="0">
@@ -3888,26 +4487,18 @@
             <a:pPr lvl="1"/>
             <a:r>
               <a:rPr lang="en-US" dirty="0"/>
-              <a:t>Alternative : React-Query, Apollo client (if </a:t>
+              <a:t>Alternative : React-Query, Apollo client (if graph QL)</a:t>
+            </a:r>
+          </a:p>
+          <a:p>
+            <a:pPr lvl="1"/>
+            <a:r>
+              <a:rPr lang="en-US" dirty="0"/>
+              <a:t>Used along with Redux-</a:t>
             </a:r>
             <a:r>
               <a:rPr lang="en-US" dirty="0" err="1"/>
-              <a:t>grapgh</a:t>
-            </a:r>
-            <a:r>
-              <a:rPr lang="en-US" dirty="0"/>
-              <a:t> QL)</a:t>
-            </a:r>
-          </a:p>
-          <a:p>
-            <a:pPr lvl="1"/>
-            <a:r>
-              <a:rPr lang="en-US" dirty="0"/>
-              <a:t>Used along with Redux-</a:t>
-            </a:r>
-            <a:r>
-              <a:rPr lang="en-US" dirty="0" err="1"/>
-              <a:t>thnk</a:t>
+              <a:t>thunk</a:t>
             </a:r>
             <a:endParaRPr lang="en-US" dirty="0"/>
           </a:p>
@@ -5018,4 +5609,299 @@
     </a:ext>
   </a:extLst>
 </a:theme>
+</file>
+
+<file path=ppt/theme/theme2.xml><?xml version="1.0" encoding="utf-8"?>
+<a:theme xmlns:a="http://schemas.openxmlformats.org/drawingml/2006/main" name="Office Theme">
+  <a:themeElements>
+    <a:clrScheme name="Office">
+      <a:dk1>
+        <a:sysClr val="windowText" lastClr="000000"/>
+      </a:dk1>
+      <a:lt1>
+        <a:sysClr val="window" lastClr="FFFFFF"/>
+      </a:lt1>
+      <a:dk2>
+        <a:srgbClr val="44546A"/>
+      </a:dk2>
+      <a:lt2>
+        <a:srgbClr val="E7E6E6"/>
+      </a:lt2>
+      <a:accent1>
+        <a:srgbClr val="4472C4"/>
+      </a:accent1>
+      <a:accent2>
+        <a:srgbClr val="ED7D31"/>
+      </a:accent2>
+      <a:accent3>
+        <a:srgbClr val="A5A5A5"/>
+      </a:accent3>
+      <a:accent4>
+        <a:srgbClr val="FFC000"/>
+      </a:accent4>
+      <a:accent5>
+        <a:srgbClr val="5B9BD5"/>
+      </a:accent5>
+      <a:accent6>
+        <a:srgbClr val="70AD47"/>
+      </a:accent6>
+      <a:hlink>
+        <a:srgbClr val="0563C1"/>
+      </a:hlink>
+      <a:folHlink>
+        <a:srgbClr val="954F72"/>
+      </a:folHlink>
+    </a:clrScheme>
+    <a:fontScheme name="Office">
+      <a:majorFont>
+        <a:latin typeface="Calibri Light" panose="020F0302020204030204"/>
+        <a:ea typeface=""/>
+        <a:cs typeface=""/>
+        <a:font script="Jpan" typeface="游ゴシック Light"/>
+        <a:font script="Hang" typeface="맑은 고딕"/>
+        <a:font script="Hans" typeface="等线 Light"/>
+        <a:font script="Hant" typeface="新細明體"/>
+        <a:font script="Arab" typeface="Times New Roman"/>
+        <a:font script="Hebr" typeface="Times New Roman"/>
+        <a:font script="Thai" typeface="Angsana New"/>
+        <a:font script="Ethi" typeface="Nyala"/>
+        <a:font script="Beng" typeface="Vrinda"/>
+        <a:font script="Gujr" typeface="Shruti"/>
+        <a:font script="Khmr" typeface="MoolBoran"/>
+        <a:font script="Knda" typeface="Tunga"/>
+        <a:font script="Guru" typeface="Raavi"/>
+        <a:font script="Cans" typeface="Euphemia"/>
+        <a:font script="Cher" typeface="Plantagenet Cherokee"/>
+        <a:font script="Yiii" typeface="Microsoft Yi Baiti"/>
+        <a:font script="Tibt" typeface="Microsoft Himalaya"/>
+        <a:font script="Thaa" typeface="MV Boli"/>
+        <a:font script="Deva" typeface="Mangal"/>
+        <a:font script="Telu" typeface="Gautami"/>
+        <a:font script="Taml" typeface="Latha"/>
+        <a:font script="Syrc" typeface="Estrangelo Edessa"/>
+        <a:font script="Orya" typeface="Kalinga"/>
+        <a:font script="Mlym" typeface="Kartika"/>
+        <a:font script="Laoo" typeface="DokChampa"/>
+        <a:font script="Sinh" typeface="Iskoola Pota"/>
+        <a:font script="Mong" typeface="Mongolian Baiti"/>
+        <a:font script="Viet" typeface="Times New Roman"/>
+        <a:font script="Uigh" typeface="Microsoft Uighur"/>
+        <a:font script="Geor" typeface="Sylfaen"/>
+        <a:font script="Armn" typeface="Arial"/>
+        <a:font script="Bugi" typeface="Leelawadee UI"/>
+        <a:font script="Bopo" typeface="Microsoft JhengHei"/>
+        <a:font script="Java" typeface="Javanese Text"/>
+        <a:font script="Lisu" typeface="Segoe UI"/>
+        <a:font script="Mymr" typeface="Myanmar Text"/>
+        <a:font script="Nkoo" typeface="Ebrima"/>
+        <a:font script="Olck" typeface="Nirmala UI"/>
+        <a:font script="Osma" typeface="Ebrima"/>
+        <a:font script="Phag" typeface="Phagspa"/>
+        <a:font script="Syrn" typeface="Estrangelo Edessa"/>
+        <a:font script="Syrj" typeface="Estrangelo Edessa"/>
+        <a:font script="Syre" typeface="Estrangelo Edessa"/>
+        <a:font script="Sora" typeface="Nirmala UI"/>
+        <a:font script="Tale" typeface="Microsoft Tai Le"/>
+        <a:font script="Talu" typeface="Microsoft New Tai Lue"/>
+        <a:font script="Tfng" typeface="Ebrima"/>
+      </a:majorFont>
+      <a:minorFont>
+        <a:latin typeface="Calibri" panose="020F0502020204030204"/>
+        <a:ea typeface=""/>
+        <a:cs typeface=""/>
+        <a:font script="Jpan" typeface="游ゴシック"/>
+        <a:font script="Hang" typeface="맑은 고딕"/>
+        <a:font script="Hans" typeface="等线"/>
+        <a:font script="Hant" typeface="新細明體"/>
+        <a:font script="Arab" typeface="Arial"/>
+        <a:font script="Hebr" typeface="Arial"/>
+        <a:font script="Thai" typeface="Cordia New"/>
+        <a:font script="Ethi" typeface="Nyala"/>
+        <a:font script="Beng" typeface="Vrinda"/>
+        <a:font script="Gujr" typeface="Shruti"/>
+        <a:font script="Khmr" typeface="DaunPenh"/>
+        <a:font script="Knda" typeface="Tunga"/>
+        <a:font script="Guru" typeface="Raavi"/>
+        <a:font script="Cans" typeface="Euphemia"/>
+        <a:font script="Cher" typeface="Plantagenet Cherokee"/>
+        <a:font script="Yiii" typeface="Microsoft Yi Baiti"/>
+        <a:font script="Tibt" typeface="Microsoft Himalaya"/>
+        <a:font script="Thaa" typeface="MV Boli"/>
+        <a:font script="Deva" typeface="Mangal"/>
+        <a:font script="Telu" typeface="Gautami"/>
+        <a:font script="Taml" typeface="Latha"/>
+        <a:font script="Syrc" typeface="Estrangelo Edessa"/>
+        <a:font script="Orya" typeface="Kalinga"/>
+        <a:font script="Mlym" typeface="Kartika"/>
+        <a:font script="Laoo" typeface="DokChampa"/>
+        <a:font script="Sinh" typeface="Iskoola Pota"/>
+        <a:font script="Mong" typeface="Mongolian Baiti"/>
+        <a:font script="Viet" typeface="Arial"/>
+        <a:font script="Uigh" typeface="Microsoft Uighur"/>
+        <a:font script="Geor" typeface="Sylfaen"/>
+        <a:font script="Armn" typeface="Arial"/>
+        <a:font script="Bugi" typeface="Leelawadee UI"/>
+        <a:font script="Bopo" typeface="Microsoft JhengHei"/>
+        <a:font script="Java" typeface="Javanese Text"/>
+        <a:font script="Lisu" typeface="Segoe UI"/>
+        <a:font script="Mymr" typeface="Myanmar Text"/>
+        <a:font script="Nkoo" typeface="Ebrima"/>
+        <a:font script="Olck" typeface="Nirmala UI"/>
+        <a:font script="Osma" typeface="Ebrima"/>
+        <a:font script="Phag" typeface="Phagspa"/>
+        <a:font script="Syrn" typeface="Estrangelo Edessa"/>
+        <a:font script="Syrj" typeface="Estrangelo Edessa"/>
+        <a:font script="Syre" typeface="Estrangelo Edessa"/>
+        <a:font script="Sora" typeface="Nirmala UI"/>
+        <a:font script="Tale" typeface="Microsoft Tai Le"/>
+        <a:font script="Talu" typeface="Microsoft New Tai Lue"/>
+        <a:font script="Tfng" typeface="Ebrima"/>
+      </a:minorFont>
+    </a:fontScheme>
+    <a:fmtScheme name="Office">
+      <a:fillStyleLst>
+        <a:solidFill>
+          <a:schemeClr val="phClr"/>
+        </a:solidFill>
+        <a:gradFill rotWithShape="1">
+          <a:gsLst>
+            <a:gs pos="0">
+              <a:schemeClr val="phClr">
+                <a:lumMod val="110000"/>
+                <a:satMod val="105000"/>
+                <a:tint val="67000"/>
+              </a:schemeClr>
+            </a:gs>
+            <a:gs pos="50000">
+              <a:schemeClr val="phClr">
+                <a:lumMod val="105000"/>
+                <a:satMod val="103000"/>
+                <a:tint val="73000"/>
+              </a:schemeClr>
+            </a:gs>
+            <a:gs pos="100000">
+              <a:schemeClr val="phClr">
+                <a:lumMod val="105000"/>
+                <a:satMod val="109000"/>
+                <a:tint val="81000"/>
+              </a:schemeClr>
+            </a:gs>
+          </a:gsLst>
+          <a:lin ang="5400000" scaled="0"/>
+        </a:gradFill>
+        <a:gradFill rotWithShape="1">
+          <a:gsLst>
+            <a:gs pos="0">
+              <a:schemeClr val="phClr">
+                <a:satMod val="103000"/>
+                <a:lumMod val="102000"/>
+                <a:tint val="94000"/>
+              </a:schemeClr>
+            </a:gs>
+            <a:gs pos="50000">
+              <a:schemeClr val="phClr">
+                <a:satMod val="110000"/>
+                <a:lumMod val="100000"/>
+                <a:shade val="100000"/>
+              </a:schemeClr>
+            </a:gs>
+            <a:gs pos="100000">
+              <a:schemeClr val="phClr">
+                <a:lumMod val="99000"/>
+                <a:satMod val="120000"/>
+                <a:shade val="78000"/>
+              </a:schemeClr>
+            </a:gs>
+          </a:gsLst>
+          <a:lin ang="5400000" scaled="0"/>
+        </a:gradFill>
+      </a:fillStyleLst>
+      <a:lnStyleLst>
+        <a:ln w="6350" cap="flat" cmpd="sng" algn="ctr">
+          <a:solidFill>
+            <a:schemeClr val="phClr"/>
+          </a:solidFill>
+          <a:prstDash val="solid"/>
+          <a:miter lim="800000"/>
+        </a:ln>
+        <a:ln w="12700" cap="flat" cmpd="sng" algn="ctr">
+          <a:solidFill>
+            <a:schemeClr val="phClr"/>
+          </a:solidFill>
+          <a:prstDash val="solid"/>
+          <a:miter lim="800000"/>
+        </a:ln>
+        <a:ln w="19050" cap="flat" cmpd="sng" algn="ctr">
+          <a:solidFill>
+            <a:schemeClr val="phClr"/>
+          </a:solidFill>
+          <a:prstDash val="solid"/>
+          <a:miter lim="800000"/>
+        </a:ln>
+      </a:lnStyleLst>
+      <a:effectStyleLst>
+        <a:effectStyle>
+          <a:effectLst/>
+        </a:effectStyle>
+        <a:effectStyle>
+          <a:effectLst/>
+        </a:effectStyle>
+        <a:effectStyle>
+          <a:effectLst>
+            <a:outerShdw blurRad="57150" dist="19050" dir="5400000" algn="ctr" rotWithShape="0">
+              <a:srgbClr val="000000">
+                <a:alpha val="63000"/>
+              </a:srgbClr>
+            </a:outerShdw>
+          </a:effectLst>
+        </a:effectStyle>
+      </a:effectStyleLst>
+      <a:bgFillStyleLst>
+        <a:solidFill>
+          <a:schemeClr val="phClr"/>
+        </a:solidFill>
+        <a:solidFill>
+          <a:schemeClr val="phClr">
+            <a:tint val="95000"/>
+            <a:satMod val="170000"/>
+          </a:schemeClr>
+        </a:solidFill>
+        <a:gradFill rotWithShape="1">
+          <a:gsLst>
+            <a:gs pos="0">
+              <a:schemeClr val="phClr">
+                <a:tint val="93000"/>
+                <a:satMod val="150000"/>
+                <a:shade val="98000"/>
+                <a:lumMod val="102000"/>
+              </a:schemeClr>
+            </a:gs>
+            <a:gs pos="50000">
+              <a:schemeClr val="phClr">
+                <a:tint val="98000"/>
+                <a:satMod val="130000"/>
+                <a:shade val="90000"/>
+                <a:lumMod val="103000"/>
+              </a:schemeClr>
+            </a:gs>
+            <a:gs pos="100000">
+              <a:schemeClr val="phClr">
+                <a:shade val="63000"/>
+                <a:satMod val="120000"/>
+              </a:schemeClr>
+            </a:gs>
+          </a:gsLst>
+          <a:lin ang="5400000" scaled="0"/>
+        </a:gradFill>
+      </a:bgFillStyleLst>
+    </a:fmtScheme>
+  </a:themeElements>
+  <a:objectDefaults/>
+  <a:extraClrSchemeLst/>
+  <a:extLst>
+    <a:ext uri="{05A4C25C-085E-4340-85A3-A5531E510DB2}">
+      <thm15:themeFamily xmlns:thm15="http://schemas.microsoft.com/office/thememl/2012/main" name="Office Theme" id="{62F939B6-93AF-4DB8-9C6B-D6C7DFDC589F}" vid="{4A3C46E8-61CC-4603-A589-7422A47A8E4A}"/>
+    </a:ext>
+  </a:extLst>
+</a:theme>
 </file>